--- a/w3/HW3.pptx
+++ b/w3/HW3.pptx
@@ -200,7 +200,7 @@
       </p:grpSpPr>
       <p:sp>
         <p:nvSpPr>
-          <p:cNvPr id="10242" name="Shape 3"/>
+          <p:cNvPr id="11266" name="Shape 3"/>
           <p:cNvSpPr>
             <a:spLocks noGrp="1" noRot="1" noChangeAspect="1"/>
           </p:cNvSpPr>
@@ -487,7 +487,7 @@
       </p:grpSpPr>
       <p:sp>
         <p:nvSpPr>
-          <p:cNvPr id="12289" name="Shape 70"/>
+          <p:cNvPr id="13313" name="Shape 70"/>
           <p:cNvSpPr txBox="1">
             <a:spLocks noGrp="1"/>
           </p:cNvSpPr>
@@ -517,7 +517,7 @@
       </p:sp>
       <p:sp>
         <p:nvSpPr>
-          <p:cNvPr id="12290" name="Shape 71"/>
+          <p:cNvPr id="13314" name="Shape 71"/>
           <p:cNvSpPr>
             <a:spLocks noGrp="1" noRot="1" noChangeAspect="1"/>
           </p:cNvSpPr>
@@ -558,7 +558,7 @@
       </p:grpSpPr>
       <p:sp>
         <p:nvSpPr>
-          <p:cNvPr id="14337" name="Shape 76"/>
+          <p:cNvPr id="15361" name="Shape 76"/>
           <p:cNvSpPr txBox="1">
             <a:spLocks noGrp="1"/>
           </p:cNvSpPr>
@@ -588,7 +588,7 @@
       </p:sp>
       <p:sp>
         <p:nvSpPr>
-          <p:cNvPr id="14338" name="Shape 77"/>
+          <p:cNvPr id="15362" name="Shape 77"/>
           <p:cNvSpPr>
             <a:spLocks noGrp="1" noRot="1" noChangeAspect="1"/>
           </p:cNvSpPr>
@@ -629,7 +629,7 @@
       </p:grpSpPr>
       <p:sp>
         <p:nvSpPr>
-          <p:cNvPr id="16385" name="Shape 84"/>
+          <p:cNvPr id="17409" name="Shape 84"/>
           <p:cNvSpPr txBox="1">
             <a:spLocks noGrp="1"/>
           </p:cNvSpPr>
@@ -659,7 +659,7 @@
       </p:sp>
       <p:sp>
         <p:nvSpPr>
-          <p:cNvPr id="16386" name="Shape 85"/>
+          <p:cNvPr id="17410" name="Shape 85"/>
           <p:cNvSpPr>
             <a:spLocks noGrp="1" noRot="1" noChangeAspect="1"/>
           </p:cNvSpPr>
@@ -700,7 +700,7 @@
       </p:grpSpPr>
       <p:sp>
         <p:nvSpPr>
-          <p:cNvPr id="18433" name="Shape 91"/>
+          <p:cNvPr id="19457" name="Shape 91"/>
           <p:cNvSpPr txBox="1">
             <a:spLocks noGrp="1"/>
           </p:cNvSpPr>
@@ -730,7 +730,7 @@
       </p:sp>
       <p:sp>
         <p:nvSpPr>
-          <p:cNvPr id="18434" name="Shape 92"/>
+          <p:cNvPr id="19458" name="Shape 92"/>
           <p:cNvSpPr>
             <a:spLocks noGrp="1" noRot="1" noChangeAspect="1"/>
           </p:cNvSpPr>
@@ -771,7 +771,7 @@
       </p:grpSpPr>
       <p:sp>
         <p:nvSpPr>
-          <p:cNvPr id="20481" name="Shape 99"/>
+          <p:cNvPr id="21505" name="Shape 99"/>
           <p:cNvSpPr txBox="1">
             <a:spLocks noGrp="1"/>
           </p:cNvSpPr>
@@ -801,7 +801,7 @@
       </p:sp>
       <p:sp>
         <p:nvSpPr>
-          <p:cNvPr id="20482" name="Shape 100"/>
+          <p:cNvPr id="21506" name="Shape 100"/>
           <p:cNvSpPr>
             <a:spLocks noGrp="1" noRot="1" noChangeAspect="1"/>
           </p:cNvSpPr>
@@ -842,7 +842,7 @@
       </p:grpSpPr>
       <p:sp>
         <p:nvSpPr>
-          <p:cNvPr id="22529" name="Shape 107"/>
+          <p:cNvPr id="23553" name="Shape 107"/>
           <p:cNvSpPr txBox="1">
             <a:spLocks noGrp="1"/>
           </p:cNvSpPr>
@@ -872,7 +872,7 @@
       </p:sp>
       <p:sp>
         <p:nvSpPr>
-          <p:cNvPr id="22530" name="Shape 108"/>
+          <p:cNvPr id="23554" name="Shape 108"/>
           <p:cNvSpPr>
             <a:spLocks noGrp="1" noRot="1" noChangeAspect="1"/>
           </p:cNvSpPr>
@@ -913,7 +913,7 @@
       </p:grpSpPr>
       <p:sp>
         <p:nvSpPr>
-          <p:cNvPr id="25601" name="Shape 135"/>
+          <p:cNvPr id="29697" name="Shape 135"/>
           <p:cNvSpPr>
             <a:spLocks noGrp="1" noRot="1" noChangeAspect="1"/>
           </p:cNvSpPr>
@@ -929,7 +929,7 @@
       </p:sp>
       <p:sp>
         <p:nvSpPr>
-          <p:cNvPr id="25602" name="Shape 136"/>
+          <p:cNvPr id="29698" name="Shape 136"/>
           <p:cNvSpPr txBox="1">
             <a:spLocks noGrp="1"/>
           </p:cNvSpPr>
@@ -984,7 +984,7 @@
       </p:grpSpPr>
       <p:sp>
         <p:nvSpPr>
-          <p:cNvPr id="27649" name="Shape 135"/>
+          <p:cNvPr id="31745" name="Shape 135"/>
           <p:cNvSpPr>
             <a:spLocks noGrp="1" noRot="1" noChangeAspect="1"/>
           </p:cNvSpPr>
@@ -1000,7 +1000,7 @@
       </p:sp>
       <p:sp>
         <p:nvSpPr>
-          <p:cNvPr id="27650" name="Shape 136"/>
+          <p:cNvPr id="31746" name="Shape 136"/>
           <p:cNvSpPr txBox="1">
             <a:spLocks noGrp="1"/>
           </p:cNvSpPr>
@@ -1055,7 +1055,7 @@
       </p:grpSpPr>
       <p:sp>
         <p:nvSpPr>
-          <p:cNvPr id="29697" name="Shape 135"/>
+          <p:cNvPr id="33793" name="Shape 135"/>
           <p:cNvSpPr>
             <a:spLocks noGrp="1" noRot="1" noChangeAspect="1"/>
           </p:cNvSpPr>
@@ -1071,7 +1071,7 @@
       </p:sp>
       <p:sp>
         <p:nvSpPr>
-          <p:cNvPr id="29698" name="Shape 136"/>
+          <p:cNvPr id="33794" name="Shape 136"/>
           <p:cNvSpPr txBox="1">
             <a:spLocks noGrp="1"/>
           </p:cNvSpPr>
@@ -6265,13 +6265,13 @@
   </p:cSld>
   <p:clrMap bg1="lt1" tx1="dk1" bg2="dk2" tx2="lt2" accent1="accent1" accent2="accent2" accent3="accent3" accent4="accent4" accent5="accent5" accent6="accent6" hlink="hlink" folHlink="folHlink"/>
   <p:sldLayoutIdLst>
-    <p:sldLayoutId id="2147483669" r:id="rId1"/>
-    <p:sldLayoutId id="2147483668" r:id="rId2"/>
-    <p:sldLayoutId id="2147483667" r:id="rId3"/>
-    <p:sldLayoutId id="2147483666" r:id="rId4"/>
+    <p:sldLayoutId id="2147483670" r:id="rId1"/>
+    <p:sldLayoutId id="2147483669" r:id="rId2"/>
+    <p:sldLayoutId id="2147483668" r:id="rId3"/>
+    <p:sldLayoutId id="2147483667" r:id="rId4"/>
     <p:sldLayoutId id="2147483672" r:id="rId5"/>
     <p:sldLayoutId id="2147483673" r:id="rId6"/>
-    <p:sldLayoutId id="2147483670" r:id="rId7"/>
+    <p:sldLayoutId id="2147483666" r:id="rId7"/>
   </p:sldLayoutIdLst>
   <p:hf sldNum="0" hdr="0" ftr="0" dt="0"/>
   <p:txStyles>
@@ -6845,7 +6845,7 @@
       </p:grpSpPr>
       <p:sp>
         <p:nvSpPr>
-          <p:cNvPr id="11265" name="Shape 73"/>
+          <p:cNvPr id="12289" name="Shape 73"/>
           <p:cNvSpPr txBox="1">
             <a:spLocks noGrp="1"/>
           </p:cNvSpPr>
@@ -6893,7 +6893,7 @@
       </p:sp>
       <p:sp>
         <p:nvSpPr>
-          <p:cNvPr id="11266" name="Shape 74"/>
+          <p:cNvPr id="12290" name="Shape 74"/>
           <p:cNvSpPr>
             <a:spLocks noChangeArrowheads="1"/>
           </p:cNvSpPr>
@@ -6991,7 +6991,7 @@
       </p:sp>
       <p:sp>
         <p:nvSpPr>
-          <p:cNvPr id="11267" name="Прямоугольник 3"/>
+          <p:cNvPr id="12291" name="Прямоугольник 3"/>
           <p:cNvSpPr>
             <a:spLocks noChangeArrowheads="1"/>
           </p:cNvSpPr>
@@ -7134,7 +7134,7 @@
       </p:grpSpPr>
       <p:sp>
         <p:nvSpPr>
-          <p:cNvPr id="23553" name="Текст 1"/>
+          <p:cNvPr id="27649" name="Текст 1"/>
           <p:cNvSpPr txBox="1">
             <a:spLocks noGrp="1"/>
           </p:cNvSpPr>
@@ -7414,7 +7414,7 @@
                 <a:cs typeface="Tahoma" pitchFamily="34" charset="0"/>
                 <a:sym typeface="Tahoma" pitchFamily="34" charset="0"/>
               </a:rPr>
-              <a:t> Click ‘Create new Trello account’</a:t>
+              <a:t>Click ‘Create new Trello account’</a:t>
             </a:r>
           </a:p>
           <a:p>
@@ -7553,7 +7553,7 @@
       </p:sp>
       <p:sp>
         <p:nvSpPr>
-          <p:cNvPr id="23554" name="Подзаголовок 2"/>
+          <p:cNvPr id="27650" name="Подзаголовок 2"/>
           <p:cNvSpPr txBox="1">
             <a:spLocks noGrp="1"/>
           </p:cNvSpPr>
@@ -7622,7 +7622,7 @@
       </p:sp>
       <p:pic>
         <p:nvPicPr>
-          <p:cNvPr id="23555" name="Picture 2"/>
+          <p:cNvPr id="27651" name="Picture 2"/>
           <p:cNvPicPr>
             <a:picLocks noChangeAspect="1" noChangeArrowheads="1"/>
           </p:cNvPicPr>
@@ -7654,7 +7654,7 @@
       </p:pic>
       <p:pic>
         <p:nvPicPr>
-          <p:cNvPr id="23557" name="Shape 133"/>
+          <p:cNvPr id="27654" name="Shape 119"/>
           <p:cNvPicPr preferRelativeResize="0">
             <a:picLocks noChangeAspect="1" noChangeArrowheads="1"/>
           </p:cNvPicPr>
@@ -7662,14 +7662,14 @@
         </p:nvPicPr>
         <p:blipFill>
           <a:blip r:embed="rId4"/>
-          <a:srcRect/>
+          <a:srcRect l="380" t="-3468" r="-378" b="3470"/>
           <a:stretch>
             <a:fillRect/>
           </a:stretch>
         </p:blipFill>
         <p:spPr bwMode="auto">
           <a:xfrm>
-            <a:off x="1785938" y="4643438"/>
+            <a:off x="3132138" y="5229225"/>
             <a:ext cx="1733550" cy="1212850"/>
           </a:xfrm>
           <a:prstGeom prst="rect">
@@ -7718,7 +7718,7 @@
       </p:grpSpPr>
       <p:sp>
         <p:nvSpPr>
-          <p:cNvPr id="24577" name="Shape 138"/>
+          <p:cNvPr id="28673" name="Shape 138"/>
           <p:cNvSpPr txBox="1">
             <a:spLocks noGrp="1"/>
           </p:cNvSpPr>
@@ -8193,7 +8193,7 @@
       </p:sp>
       <p:sp>
         <p:nvSpPr>
-          <p:cNvPr id="24578" name="Shape 140"/>
+          <p:cNvPr id="28674" name="Shape 140"/>
           <p:cNvSpPr txBox="1">
             <a:spLocks noGrp="1"/>
           </p:cNvSpPr>
@@ -8225,7 +8225,7 @@
               <a:buNone/>
             </a:pPr>
             <a:r>
-              <a:rPr lang="en-US" smtClean="0">
+              <a:rPr lang="en-US" sz="3200" smtClean="0">
                 <a:solidFill>
                   <a:schemeClr val="accent2"/>
                 </a:solidFill>
@@ -8240,7 +8240,7 @@
       </p:sp>
       <p:pic>
         <p:nvPicPr>
-          <p:cNvPr id="24579" name="Picture 2"/>
+          <p:cNvPr id="28675" name="Picture 2"/>
           <p:cNvPicPr>
             <a:picLocks noChangeAspect="1" noChangeArrowheads="1"/>
           </p:cNvPicPr>
@@ -8272,7 +8272,7 @@
       </p:pic>
       <p:pic>
         <p:nvPicPr>
-          <p:cNvPr id="24580" name="Picture 6"/>
+          <p:cNvPr id="28676" name="Picture 6"/>
           <p:cNvPicPr>
             <a:picLocks noChangeAspect="1" noChangeArrowheads="1"/>
           </p:cNvPicPr>
@@ -8369,7 +8369,7 @@
       </p:sp>
       <p:pic>
         <p:nvPicPr>
-          <p:cNvPr id="24582" name="Shape 105"/>
+          <p:cNvPr id="28680" name="Shape 119"/>
           <p:cNvPicPr preferRelativeResize="0">
             <a:picLocks noChangeAspect="1" noChangeArrowheads="1"/>
           </p:cNvPicPr>
@@ -8377,15 +8377,15 @@
         </p:nvPicPr>
         <p:blipFill>
           <a:blip r:embed="rId6"/>
-          <a:srcRect/>
+          <a:srcRect l="380" t="-3468" r="-378" b="3470"/>
           <a:stretch>
             <a:fillRect/>
           </a:stretch>
         </p:blipFill>
         <p:spPr bwMode="auto">
           <a:xfrm>
-            <a:off x="6858000" y="2500313"/>
-            <a:ext cx="1447800" cy="1060450"/>
+            <a:off x="6084888" y="3860800"/>
+            <a:ext cx="1733550" cy="1212850"/>
           </a:xfrm>
           <a:prstGeom prst="rect">
             <a:avLst/>
@@ -8436,7 +8436,7 @@
       </p:grpSpPr>
       <p:sp>
         <p:nvSpPr>
-          <p:cNvPr id="26625" name="Shape 138"/>
+          <p:cNvPr id="30721" name="Shape 138"/>
           <p:cNvSpPr txBox="1">
             <a:spLocks noGrp="1"/>
           </p:cNvSpPr>
@@ -8866,7 +8866,7 @@
       </p:sp>
       <p:sp>
         <p:nvSpPr>
-          <p:cNvPr id="26626" name="Shape 140"/>
+          <p:cNvPr id="30722" name="Shape 140"/>
           <p:cNvSpPr txBox="1">
             <a:spLocks noGrp="1"/>
           </p:cNvSpPr>
@@ -8877,7 +8877,7 @@
         <p:spPr>
           <a:xfrm>
             <a:off x="271463" y="908050"/>
-            <a:ext cx="7375525" cy="454025"/>
+            <a:ext cx="8188325" cy="454025"/>
           </a:xfrm>
         </p:spPr>
         <p:txBody>
@@ -8898,7 +8898,7 @@
               <a:buNone/>
             </a:pPr>
             <a:r>
-              <a:rPr lang="en-US" smtClean="0">
+              <a:rPr lang="en-US" sz="3200" smtClean="0">
                 <a:solidFill>
                   <a:schemeClr val="accent2"/>
                 </a:solidFill>
@@ -9053,7 +9053,7 @@
       </p:sp>
       <p:sp>
         <p:nvSpPr>
-          <p:cNvPr id="28674" name="Shape 140"/>
+          <p:cNvPr id="32770" name="Shape 140"/>
           <p:cNvSpPr txBox="1">
             <a:spLocks noGrp="1"/>
           </p:cNvSpPr>
@@ -9064,7 +9064,7 @@
         <p:spPr>
           <a:xfrm>
             <a:off x="271463" y="908050"/>
-            <a:ext cx="7375525" cy="454025"/>
+            <a:ext cx="8188325" cy="454025"/>
           </a:xfrm>
         </p:spPr>
         <p:txBody>
@@ -9085,7 +9085,7 @@
               <a:buNone/>
             </a:pPr>
             <a:r>
-              <a:rPr lang="en-US" smtClean="0">
+              <a:rPr lang="en-US" sz="3200" smtClean="0">
                 <a:solidFill>
                   <a:schemeClr val="accent2"/>
                 </a:solidFill>
@@ -9100,7 +9100,7 @@
       </p:sp>
       <p:pic>
         <p:nvPicPr>
-          <p:cNvPr id="28675" name="Picture 5"/>
+          <p:cNvPr id="32771" name="Picture 5"/>
           <p:cNvPicPr>
             <a:picLocks noChangeAspect="1" noChangeArrowheads="1"/>
           </p:cNvPicPr>
@@ -9132,7 +9132,7 @@
       </p:pic>
       <p:pic>
         <p:nvPicPr>
-          <p:cNvPr id="28676" name="Picture 4"/>
+          <p:cNvPr id="32772" name="Picture 4"/>
           <p:cNvPicPr>
             <a:picLocks noChangeAspect="1" noChangeArrowheads="1"/>
           </p:cNvPicPr>
@@ -9212,7 +9212,7 @@
       </p:sp>
       <p:pic>
         <p:nvPicPr>
-          <p:cNvPr id="28678" name="Shape 105"/>
+          <p:cNvPr id="32776" name="Shape 119"/>
           <p:cNvPicPr preferRelativeResize="0">
             <a:picLocks noChangeAspect="1" noChangeArrowheads="1"/>
           </p:cNvPicPr>
@@ -9220,15 +9220,15 @@
         </p:nvPicPr>
         <p:blipFill>
           <a:blip r:embed="rId5"/>
-          <a:srcRect/>
+          <a:srcRect l="380" t="-3468" r="-378" b="3470"/>
           <a:stretch>
             <a:fillRect/>
           </a:stretch>
         </p:blipFill>
         <p:spPr bwMode="auto">
           <a:xfrm>
-            <a:off x="5643563" y="5572125"/>
-            <a:ext cx="1447800" cy="1060450"/>
+            <a:off x="5867400" y="4724400"/>
+            <a:ext cx="1733550" cy="1212850"/>
           </a:xfrm>
           <a:prstGeom prst="rect">
             <a:avLst/>
@@ -9307,7 +9307,7 @@
       </p:sp>
       <p:sp>
         <p:nvSpPr>
-          <p:cNvPr id="30722" name="Подзаголовок 2"/>
+          <p:cNvPr id="34818" name="Подзаголовок 2"/>
           <p:cNvSpPr txBox="1">
             <a:spLocks noGrp="1"/>
           </p:cNvSpPr>
@@ -9345,7 +9345,7 @@
       </p:sp>
       <p:sp>
         <p:nvSpPr>
-          <p:cNvPr id="30723" name="Shape 145"/>
+          <p:cNvPr id="34819" name="Shape 145"/>
           <p:cNvSpPr txBox="1">
             <a:spLocks/>
           </p:cNvSpPr>
@@ -9502,7 +9502,7 @@
       </p:sp>
       <p:sp>
         <p:nvSpPr>
-          <p:cNvPr id="13314" name="Shape 80"/>
+          <p:cNvPr id="14338" name="Shape 80"/>
           <p:cNvSpPr txBox="1">
             <a:spLocks noGrp="1"/>
           </p:cNvSpPr>
@@ -9597,7 +9597,7 @@
       </p:pic>
       <p:pic>
         <p:nvPicPr>
-          <p:cNvPr id="13316" name="Shape 82"/>
+          <p:cNvPr id="14340" name="Shape 82"/>
           <p:cNvPicPr preferRelativeResize="0">
             <a:picLocks noChangeAspect="1" noChangeArrowheads="1"/>
           </p:cNvPicPr>
@@ -9664,7 +9664,7 @@
       </p:grpSpPr>
       <p:sp>
         <p:nvSpPr>
-          <p:cNvPr id="15361" name="Shape 87"/>
+          <p:cNvPr id="16385" name="Shape 87"/>
           <p:cNvSpPr txBox="1">
             <a:spLocks noGrp="1"/>
           </p:cNvSpPr>
@@ -9683,9 +9683,6 @@
           <a:lstStyle/>
           <a:p>
             <a:pPr marL="457200" indent="-457200" eaLnBrk="1" hangingPunct="1">
-              <a:lnSpc>
-                <a:spcPct val="100000"/>
-              </a:lnSpc>
               <a:spcBef>
                 <a:spcPct val="0"/>
               </a:spcBef>
@@ -9708,6 +9705,84 @@
                 <a:sym typeface="Tahoma" pitchFamily="34" charset="0"/>
               </a:rPr>
               <a:t>Smoke testing</a:t>
+            </a:r>
+          </a:p>
+          <a:p>
+            <a:pPr marL="457200" indent="-457200" eaLnBrk="1" hangingPunct="1">
+              <a:spcBef>
+                <a:spcPct val="0"/>
+              </a:spcBef>
+              <a:spcAft>
+                <a:spcPct val="0"/>
+              </a:spcAft>
+              <a:buClr>
+                <a:srgbClr val="CBCECE"/>
+              </a:buClr>
+              <a:buFont typeface="Wingdings" pitchFamily="2" charset="2"/>
+              <a:buChar char="ü"/>
+            </a:pPr>
+            <a:r>
+              <a:rPr lang="en-US" sz="3200" smtClean="0">
+                <a:solidFill>
+                  <a:schemeClr val="bg1"/>
+                </a:solidFill>
+                <a:latin typeface="Tahoma" pitchFamily="34" charset="0"/>
+                <a:cs typeface="Tahoma" pitchFamily="34" charset="0"/>
+                <a:sym typeface="Tahoma" pitchFamily="34" charset="0"/>
+              </a:rPr>
+              <a:t>Positive testing</a:t>
+            </a:r>
+          </a:p>
+          <a:p>
+            <a:pPr marL="457200" indent="-457200" eaLnBrk="1" hangingPunct="1">
+              <a:spcBef>
+                <a:spcPct val="0"/>
+              </a:spcBef>
+              <a:spcAft>
+                <a:spcPct val="0"/>
+              </a:spcAft>
+              <a:buClr>
+                <a:srgbClr val="CBCECE"/>
+              </a:buClr>
+              <a:buFont typeface="Wingdings" pitchFamily="2" charset="2"/>
+              <a:buChar char="ü"/>
+            </a:pPr>
+            <a:r>
+              <a:rPr lang="en-US" sz="3200" smtClean="0">
+                <a:solidFill>
+                  <a:schemeClr val="bg1"/>
+                </a:solidFill>
+                <a:latin typeface="Tahoma" pitchFamily="34" charset="0"/>
+                <a:cs typeface="Tahoma" pitchFamily="34" charset="0"/>
+                <a:sym typeface="Tahoma" pitchFamily="34" charset="0"/>
+              </a:rPr>
+              <a:t>Negative testing</a:t>
+            </a:r>
+          </a:p>
+          <a:p>
+            <a:pPr marL="457200" indent="-457200" eaLnBrk="1" hangingPunct="1">
+              <a:spcBef>
+                <a:spcPct val="0"/>
+              </a:spcBef>
+              <a:spcAft>
+                <a:spcPct val="0"/>
+              </a:spcAft>
+              <a:buClr>
+                <a:srgbClr val="CBCECE"/>
+              </a:buClr>
+              <a:buFont typeface="Wingdings" pitchFamily="2" charset="2"/>
+              <a:buChar char="ü"/>
+            </a:pPr>
+            <a:r>
+              <a:rPr lang="en-US" sz="3200" smtClean="0">
+                <a:solidFill>
+                  <a:schemeClr val="bg1"/>
+                </a:solidFill>
+                <a:latin typeface="Tahoma" pitchFamily="34" charset="0"/>
+                <a:cs typeface="Tahoma" pitchFamily="34" charset="0"/>
+                <a:sym typeface="Tahoma" pitchFamily="34" charset="0"/>
+              </a:rPr>
+              <a:t>Functional testing: </a:t>
             </a:r>
             <a:endParaRPr lang="uk-UA" sz="3200" smtClean="0">
               <a:solidFill>
@@ -9720,9 +9795,6 @@
           </a:p>
           <a:p>
             <a:pPr marL="457200" indent="-457200" eaLnBrk="1" hangingPunct="1">
-              <a:lnSpc>
-                <a:spcPct val="100000"/>
-              </a:lnSpc>
               <a:spcBef>
                 <a:spcPct val="0"/>
               </a:spcBef>
@@ -9732,8 +9804,8 @@
               <a:buClr>
                 <a:srgbClr val="CBCECE"/>
               </a:buClr>
-              <a:buFont typeface="Wingdings" pitchFamily="2" charset="2"/>
-              <a:buChar char="ü"/>
+              <a:buFontTx/>
+              <a:buNone/>
             </a:pPr>
             <a:r>
               <a:rPr lang="en-US" sz="3200" smtClean="0">
@@ -9744,7 +9816,29 @@
                 <a:cs typeface="Tahoma" pitchFamily="34" charset="0"/>
                 <a:sym typeface="Tahoma" pitchFamily="34" charset="0"/>
               </a:rPr>
-              <a:t>Functional testing: </a:t>
+              <a:t>	</a:t>
+            </a:r>
+            <a:r>
+              <a:rPr lang="uk-UA" sz="3200" smtClean="0">
+                <a:solidFill>
+                  <a:schemeClr val="bg1"/>
+                </a:solidFill>
+                <a:latin typeface="Tahoma" pitchFamily="34" charset="0"/>
+                <a:cs typeface="Tahoma" pitchFamily="34" charset="0"/>
+                <a:sym typeface="Tahoma" pitchFamily="34" charset="0"/>
+              </a:rPr>
+              <a:t>- </a:t>
+            </a:r>
+            <a:r>
+              <a:rPr lang="en-US" sz="3200" smtClean="0">
+                <a:solidFill>
+                  <a:schemeClr val="bg1"/>
+                </a:solidFill>
+                <a:latin typeface="Tahoma" pitchFamily="34" charset="0"/>
+                <a:cs typeface="Tahoma" pitchFamily="34" charset="0"/>
+                <a:sym typeface="Tahoma" pitchFamily="34" charset="0"/>
+              </a:rPr>
+              <a:t>suitability</a:t>
             </a:r>
             <a:endParaRPr lang="uk-UA" sz="3200" smtClean="0">
               <a:solidFill>
@@ -9757,9 +9851,6 @@
           </a:p>
           <a:p>
             <a:pPr marL="457200" indent="-457200" eaLnBrk="1" hangingPunct="1">
-              <a:lnSpc>
-                <a:spcPct val="100000"/>
-              </a:lnSpc>
               <a:spcBef>
                 <a:spcPct val="0"/>
               </a:spcBef>
@@ -9773,7 +9864,7 @@
               <a:buNone/>
             </a:pPr>
             <a:r>
-              <a:rPr lang="uk-UA" sz="3200" smtClean="0">
+              <a:rPr lang="en-US" sz="3200" smtClean="0">
                 <a:solidFill>
                   <a:schemeClr val="bg1"/>
                 </a:solidFill>
@@ -9781,18 +9872,7 @@
                 <a:cs typeface="Tahoma" pitchFamily="34" charset="0"/>
                 <a:sym typeface="Tahoma" pitchFamily="34" charset="0"/>
               </a:rPr>
-              <a:t>- </a:t>
-            </a:r>
-            <a:r>
-              <a:rPr lang="en-US" sz="3200" smtClean="0">
-                <a:solidFill>
-                  <a:schemeClr val="bg1"/>
-                </a:solidFill>
-                <a:latin typeface="Tahoma" pitchFamily="34" charset="0"/>
-                <a:cs typeface="Tahoma" pitchFamily="34" charset="0"/>
-                <a:sym typeface="Tahoma" pitchFamily="34" charset="0"/>
-              </a:rPr>
-              <a:t>suitability</a:t>
+              <a:t>	- security</a:t>
             </a:r>
             <a:endParaRPr lang="uk-UA" sz="3200" smtClean="0">
               <a:solidFill>
@@ -9805,9 +9885,6 @@
           </a:p>
           <a:p>
             <a:pPr marL="457200" indent="-457200" eaLnBrk="1" hangingPunct="1">
-              <a:lnSpc>
-                <a:spcPct val="100000"/>
-              </a:lnSpc>
               <a:spcBef>
                 <a:spcPct val="0"/>
               </a:spcBef>
@@ -9829,7 +9906,29 @@
                 <a:cs typeface="Tahoma" pitchFamily="34" charset="0"/>
                 <a:sym typeface="Tahoma" pitchFamily="34" charset="0"/>
               </a:rPr>
-              <a:t>- security</a:t>
+              <a:t>	</a:t>
+            </a:r>
+            <a:r>
+              <a:rPr lang="uk-UA" sz="3200" smtClean="0">
+                <a:solidFill>
+                  <a:schemeClr val="bg1"/>
+                </a:solidFill>
+                <a:latin typeface="Tahoma" pitchFamily="34" charset="0"/>
+                <a:cs typeface="Tahoma" pitchFamily="34" charset="0"/>
+                <a:sym typeface="Tahoma" pitchFamily="34" charset="0"/>
+              </a:rPr>
+              <a:t>- </a:t>
+            </a:r>
+            <a:r>
+              <a:rPr lang="en-US" sz="3200" smtClean="0">
+                <a:solidFill>
+                  <a:schemeClr val="bg1"/>
+                </a:solidFill>
+                <a:latin typeface="Tahoma" pitchFamily="34" charset="0"/>
+                <a:cs typeface="Tahoma" pitchFamily="34" charset="0"/>
+                <a:sym typeface="Tahoma" pitchFamily="34" charset="0"/>
+              </a:rPr>
+              <a:t>interoperability</a:t>
             </a:r>
             <a:endParaRPr lang="uk-UA" sz="3200" smtClean="0">
               <a:solidFill>
@@ -9842,9 +9941,6 @@
           </a:p>
           <a:p>
             <a:pPr marL="457200" indent="-457200" eaLnBrk="1" hangingPunct="1">
-              <a:lnSpc>
-                <a:spcPct val="100000"/>
-              </a:lnSpc>
               <a:spcBef>
                 <a:spcPct val="0"/>
               </a:spcBef>
@@ -9854,11 +9950,11 @@
               <a:buClr>
                 <a:srgbClr val="CBCECE"/>
               </a:buClr>
-              <a:buFontTx/>
-              <a:buNone/>
-            </a:pPr>
-            <a:r>
-              <a:rPr lang="uk-UA" sz="3200" smtClean="0">
+              <a:buFont typeface="Wingdings" pitchFamily="2" charset="2"/>
+              <a:buChar char="ü"/>
+            </a:pPr>
+            <a:r>
+              <a:rPr lang="en-US" sz="3200" smtClean="0">
                 <a:solidFill>
                   <a:schemeClr val="bg1"/>
                 </a:solidFill>
@@ -9866,18 +9962,7 @@
                 <a:cs typeface="Tahoma" pitchFamily="34" charset="0"/>
                 <a:sym typeface="Tahoma" pitchFamily="34" charset="0"/>
               </a:rPr>
-              <a:t>- </a:t>
-            </a:r>
-            <a:r>
-              <a:rPr lang="en-US" sz="3200" smtClean="0">
-                <a:solidFill>
-                  <a:schemeClr val="bg1"/>
-                </a:solidFill>
-                <a:latin typeface="Tahoma" pitchFamily="34" charset="0"/>
-                <a:cs typeface="Tahoma" pitchFamily="34" charset="0"/>
-                <a:sym typeface="Tahoma" pitchFamily="34" charset="0"/>
-              </a:rPr>
-              <a:t>interoperability</a:t>
+              <a:t>Non-functional testing: </a:t>
             </a:r>
             <a:endParaRPr lang="uk-UA" sz="3200" smtClean="0">
               <a:solidFill>
@@ -9890,9 +9975,6 @@
           </a:p>
           <a:p>
             <a:pPr marL="457200" indent="-457200" eaLnBrk="1" hangingPunct="1">
-              <a:lnSpc>
-                <a:spcPct val="100000"/>
-              </a:lnSpc>
               <a:spcBef>
                 <a:spcPct val="0"/>
               </a:spcBef>
@@ -9902,9 +9984,31 @@
               <a:buClr>
                 <a:srgbClr val="CBCECE"/>
               </a:buClr>
-              <a:buFont typeface="Wingdings" pitchFamily="2" charset="2"/>
-              <a:buChar char="ü"/>
-            </a:pPr>
+              <a:buFontTx/>
+              <a:buNone/>
+            </a:pPr>
+            <a:r>
+              <a:rPr lang="uk-UA" sz="3200" smtClean="0">
+                <a:solidFill>
+                  <a:schemeClr val="accent2"/>
+                </a:solidFill>
+                <a:latin typeface="Tahoma" pitchFamily="34" charset="0"/>
+                <a:cs typeface="Tahoma" pitchFamily="34" charset="0"/>
+                <a:sym typeface="Tahoma" pitchFamily="34" charset="0"/>
+              </a:rPr>
+              <a:t>	</a:t>
+            </a:r>
+            <a:r>
+              <a:rPr lang="uk-UA" sz="3200" smtClean="0">
+                <a:solidFill>
+                  <a:schemeClr val="bg1"/>
+                </a:solidFill>
+                <a:latin typeface="Tahoma" pitchFamily="34" charset="0"/>
+                <a:cs typeface="Tahoma" pitchFamily="34" charset="0"/>
+                <a:sym typeface="Tahoma" pitchFamily="34" charset="0"/>
+              </a:rPr>
+              <a:t> - </a:t>
+            </a:r>
             <a:r>
               <a:rPr lang="en-US" sz="3200" smtClean="0">
                 <a:solidFill>
@@ -9914,7 +10018,7 @@
                 <a:cs typeface="Tahoma" pitchFamily="34" charset="0"/>
                 <a:sym typeface="Tahoma" pitchFamily="34" charset="0"/>
               </a:rPr>
-              <a:t>Non-functional testing: </a:t>
+              <a:t>localization</a:t>
             </a:r>
             <a:endParaRPr lang="uk-UA" sz="3200" smtClean="0">
               <a:solidFill>
@@ -9927,9 +10031,6 @@
           </a:p>
           <a:p>
             <a:pPr marL="457200" indent="-457200" eaLnBrk="1" hangingPunct="1">
-              <a:lnSpc>
-                <a:spcPct val="100000"/>
-              </a:lnSpc>
               <a:spcBef>
                 <a:spcPct val="0"/>
               </a:spcBef>
@@ -9945,127 +10046,57 @@
             <a:r>
               <a:rPr lang="uk-UA" sz="3200" smtClean="0">
                 <a:solidFill>
+                  <a:schemeClr val="bg1"/>
+                </a:solidFill>
+                <a:latin typeface="Tahoma" pitchFamily="34" charset="0"/>
+                <a:cs typeface="Tahoma" pitchFamily="34" charset="0"/>
+                <a:sym typeface="Tahoma" pitchFamily="34" charset="0"/>
+              </a:rPr>
+              <a:t>     -</a:t>
+            </a:r>
+            <a:r>
+              <a:rPr lang="en-US" sz="3200" smtClean="0">
+                <a:solidFill>
+                  <a:schemeClr val="bg1"/>
+                </a:solidFill>
+                <a:latin typeface="Tahoma" pitchFamily="34" charset="0"/>
+                <a:cs typeface="Tahoma" pitchFamily="34" charset="0"/>
+                <a:sym typeface="Tahoma" pitchFamily="34" charset="0"/>
+              </a:rPr>
+              <a:t> internationalization</a:t>
+            </a:r>
+          </a:p>
+          <a:p>
+            <a:pPr marL="457200" indent="-457200" eaLnBrk="1" hangingPunct="1">
+              <a:spcBef>
+                <a:spcPct val="0"/>
+              </a:spcBef>
+              <a:spcAft>
+                <a:spcPct val="0"/>
+              </a:spcAft>
+              <a:buClr>
+                <a:srgbClr val="CBCECE"/>
+              </a:buClr>
+              <a:buFontTx/>
+              <a:buNone/>
+            </a:pPr>
+            <a:r>
+              <a:rPr lang="uk-UA" sz="2400" smtClean="0">
+                <a:solidFill>
                   <a:schemeClr val="accent2"/>
                 </a:solidFill>
                 <a:latin typeface="Tahoma" pitchFamily="34" charset="0"/>
                 <a:cs typeface="Tahoma" pitchFamily="34" charset="0"/>
                 <a:sym typeface="Tahoma" pitchFamily="34" charset="0"/>
               </a:rPr>
-              <a:t>	</a:t>
-            </a:r>
-            <a:r>
-              <a:rPr lang="uk-UA" sz="3200" smtClean="0">
-                <a:solidFill>
-                  <a:schemeClr val="bg1"/>
-                </a:solidFill>
-                <a:latin typeface="Tahoma" pitchFamily="34" charset="0"/>
-                <a:cs typeface="Tahoma" pitchFamily="34" charset="0"/>
-                <a:sym typeface="Tahoma" pitchFamily="34" charset="0"/>
-              </a:rPr>
-              <a:t> - </a:t>
-            </a:r>
-            <a:r>
-              <a:rPr lang="en-US" sz="3200" smtClean="0">
-                <a:solidFill>
-                  <a:schemeClr val="bg1"/>
-                </a:solidFill>
-                <a:latin typeface="Tahoma" pitchFamily="34" charset="0"/>
-                <a:cs typeface="Tahoma" pitchFamily="34" charset="0"/>
-                <a:sym typeface="Tahoma" pitchFamily="34" charset="0"/>
-              </a:rPr>
-              <a:t>localization</a:t>
-            </a:r>
-            <a:endParaRPr lang="uk-UA" sz="3200" smtClean="0">
-              <a:solidFill>
-                <a:schemeClr val="bg1"/>
-              </a:solidFill>
-              <a:latin typeface="Tahoma" pitchFamily="34" charset="0"/>
-              <a:cs typeface="Tahoma" pitchFamily="34" charset="0"/>
-              <a:sym typeface="Tahoma" pitchFamily="34" charset="0"/>
-            </a:endParaRPr>
-          </a:p>
-          <a:p>
-            <a:pPr marL="457200" indent="-457200" eaLnBrk="1" hangingPunct="1">
-              <a:lnSpc>
-                <a:spcPct val="100000"/>
-              </a:lnSpc>
-              <a:spcBef>
-                <a:spcPct val="0"/>
-              </a:spcBef>
-              <a:spcAft>
-                <a:spcPct val="0"/>
-              </a:spcAft>
-              <a:buClr>
-                <a:srgbClr val="CBCECE"/>
-              </a:buClr>
-              <a:buFontTx/>
-              <a:buNone/>
-            </a:pPr>
-            <a:r>
-              <a:rPr lang="uk-UA" sz="3200" smtClean="0">
-                <a:solidFill>
-                  <a:schemeClr val="bg1"/>
-                </a:solidFill>
-                <a:latin typeface="Tahoma" pitchFamily="34" charset="0"/>
-                <a:cs typeface="Tahoma" pitchFamily="34" charset="0"/>
-                <a:sym typeface="Tahoma" pitchFamily="34" charset="0"/>
-              </a:rPr>
-              <a:t>     - </a:t>
-            </a:r>
-            <a:r>
-              <a:rPr lang="en-US" sz="3200" smtClean="0">
-                <a:solidFill>
-                  <a:schemeClr val="bg1"/>
-                </a:solidFill>
-                <a:latin typeface="Tahoma" pitchFamily="34" charset="0"/>
-                <a:cs typeface="Tahoma" pitchFamily="34" charset="0"/>
-                <a:sym typeface="Tahoma" pitchFamily="34" charset="0"/>
-              </a:rPr>
-              <a:t>internationalization</a:t>
-            </a:r>
-          </a:p>
-          <a:p>
-            <a:pPr marL="457200" indent="-457200" eaLnBrk="1" hangingPunct="1">
-              <a:lnSpc>
-                <a:spcPct val="100000"/>
-              </a:lnSpc>
-              <a:spcBef>
-                <a:spcPct val="0"/>
-              </a:spcBef>
-              <a:spcAft>
-                <a:spcPct val="0"/>
-              </a:spcAft>
-              <a:buClr>
-                <a:srgbClr val="CBCECE"/>
-              </a:buClr>
-              <a:buFontTx/>
-              <a:buNone/>
-            </a:pPr>
-            <a:r>
-              <a:rPr lang="uk-UA" sz="2400" smtClean="0">
-                <a:solidFill>
-                  <a:schemeClr val="accent2"/>
-                </a:solidFill>
-                <a:latin typeface="Tahoma" pitchFamily="34" charset="0"/>
-                <a:cs typeface="Tahoma" pitchFamily="34" charset="0"/>
-                <a:sym typeface="Tahoma" pitchFamily="34" charset="0"/>
-              </a:rPr>
               <a:t>    </a:t>
             </a:r>
-            <a:endParaRPr lang="uk-UA" sz="2400" smtClean="0">
-              <a:solidFill>
-                <a:schemeClr val="bg1"/>
-              </a:solidFill>
-              <a:latin typeface="Tahoma" pitchFamily="34" charset="0"/>
-              <a:cs typeface="Tahoma" pitchFamily="34" charset="0"/>
-              <a:sym typeface="Tahoma" pitchFamily="34" charset="0"/>
-            </a:endParaRPr>
           </a:p>
         </p:txBody>
       </p:sp>
       <p:sp>
         <p:nvSpPr>
-          <p:cNvPr id="15362" name="Подзаголовок 5"/>
+          <p:cNvPr id="16386" name="Подзаголовок 5"/>
           <p:cNvSpPr txBox="1">
             <a:spLocks noGrp="1"/>
           </p:cNvSpPr>
@@ -10103,7 +10134,7 @@
       </p:sp>
       <p:sp>
         <p:nvSpPr>
-          <p:cNvPr id="15363" name="Shape 88"/>
+          <p:cNvPr id="16387" name="Shape 88"/>
           <p:cNvSpPr txBox="1">
             <a:spLocks noGrp="1"/>
           </p:cNvSpPr>
@@ -10143,7 +10174,7 @@
       </p:sp>
       <p:pic>
         <p:nvPicPr>
-          <p:cNvPr id="15364" name="Shape 89"/>
+          <p:cNvPr id="16388" name="Shape 89"/>
           <p:cNvPicPr preferRelativeResize="0">
             <a:picLocks noChangeAspect="1" noChangeArrowheads="1"/>
           </p:cNvPicPr>
@@ -10210,7 +10241,7 @@
       </p:grpSpPr>
       <p:sp>
         <p:nvSpPr>
-          <p:cNvPr id="17409" name="Shape 94"/>
+          <p:cNvPr id="18433" name="Shape 94"/>
           <p:cNvSpPr txBox="1">
             <a:spLocks noGrp="1"/>
           </p:cNvSpPr>
@@ -10536,7 +10567,7 @@
       </p:sp>
       <p:sp>
         <p:nvSpPr>
-          <p:cNvPr id="17410" name="Shape 95"/>
+          <p:cNvPr id="18434" name="Shape 95"/>
           <p:cNvSpPr txBox="1">
             <a:spLocks noGrp="1"/>
           </p:cNvSpPr>
@@ -10602,7 +10633,7 @@
       </p:sp>
       <p:pic>
         <p:nvPicPr>
-          <p:cNvPr id="17411" name="Shape 96"/>
+          <p:cNvPr id="18435" name="Shape 96"/>
           <p:cNvPicPr preferRelativeResize="0">
             <a:picLocks noChangeAspect="1" noChangeArrowheads="1"/>
           </p:cNvPicPr>
@@ -10634,7 +10665,7 @@
       </p:pic>
       <p:pic>
         <p:nvPicPr>
-          <p:cNvPr id="17412" name="Shape 97"/>
+          <p:cNvPr id="18438" name="Shape 119"/>
           <p:cNvPicPr preferRelativeResize="0">
             <a:picLocks noChangeAspect="1" noChangeArrowheads="1"/>
           </p:cNvPicPr>
@@ -10642,15 +10673,15 @@
         </p:nvPicPr>
         <p:blipFill>
           <a:blip r:embed="rId5"/>
-          <a:srcRect/>
+          <a:srcRect l="380" t="-3468" r="-378" b="3470"/>
           <a:stretch>
             <a:fillRect/>
           </a:stretch>
         </p:blipFill>
         <p:spPr bwMode="auto">
           <a:xfrm>
-            <a:off x="838200" y="5715000"/>
-            <a:ext cx="1447800" cy="990600"/>
+            <a:off x="2843213" y="5373688"/>
+            <a:ext cx="1733550" cy="1212850"/>
           </a:xfrm>
           <a:prstGeom prst="rect">
             <a:avLst/>
@@ -10701,7 +10732,7 @@
       </p:grpSpPr>
       <p:sp>
         <p:nvSpPr>
-          <p:cNvPr id="102" name="Shape 102"/>
+          <p:cNvPr id="20481" name="Shape 102"/>
           <p:cNvSpPr txBox="1">
             <a:spLocks noGrp="1"/>
           </p:cNvSpPr>
@@ -10716,9 +10747,7 @@
           </a:xfrm>
         </p:spPr>
         <p:txBody>
-          <a:bodyPr tIns="45700" bIns="45700">
-            <a:noAutofit/>
-          </a:bodyPr>
+          <a:bodyPr tIns="45700" bIns="45700"/>
           <a:lstStyle/>
           <a:p>
             <a:pPr eaLnBrk="1" hangingPunct="1">
@@ -11147,7 +11176,7 @@
       </p:sp>
       <p:pic>
         <p:nvPicPr>
-          <p:cNvPr id="19459" name="Shape 104"/>
+          <p:cNvPr id="20483" name="Shape 104"/>
           <p:cNvPicPr preferRelativeResize="0">
             <a:picLocks noChangeAspect="1" noChangeArrowheads="1"/>
           </p:cNvPicPr>
@@ -11179,7 +11208,7 @@
       </p:pic>
       <p:pic>
         <p:nvPicPr>
-          <p:cNvPr id="19460" name="Shape 105"/>
+          <p:cNvPr id="20486" name="Shape 119"/>
           <p:cNvPicPr preferRelativeResize="0">
             <a:picLocks noChangeAspect="1" noChangeArrowheads="1"/>
           </p:cNvPicPr>
@@ -11187,15 +11216,15 @@
         </p:nvPicPr>
         <p:blipFill>
           <a:blip r:embed="rId5"/>
-          <a:srcRect/>
+          <a:srcRect l="380" t="-3468" r="-378" b="3470"/>
           <a:stretch>
             <a:fillRect/>
           </a:stretch>
         </p:blipFill>
         <p:spPr bwMode="auto">
           <a:xfrm>
-            <a:off x="2057400" y="5562600"/>
-            <a:ext cx="1447800" cy="1060450"/>
+            <a:off x="3348038" y="5373688"/>
+            <a:ext cx="1733550" cy="1212850"/>
           </a:xfrm>
           <a:prstGeom prst="rect">
             <a:avLst/>
@@ -11246,7 +11275,7 @@
       </p:grpSpPr>
       <p:sp>
         <p:nvSpPr>
-          <p:cNvPr id="21505" name="Shape 110"/>
+          <p:cNvPr id="22529" name="Shape 110"/>
           <p:cNvSpPr txBox="1">
             <a:spLocks noGrp="1"/>
           </p:cNvSpPr>
@@ -11694,7 +11723,7 @@
       </p:sp>
       <p:sp>
         <p:nvSpPr>
-          <p:cNvPr id="21506" name="Shape 111"/>
+          <p:cNvPr id="22530" name="Shape 111"/>
           <p:cNvSpPr txBox="1">
             <a:spLocks noGrp="1"/>
           </p:cNvSpPr>
@@ -11745,7 +11774,7 @@
       </p:sp>
       <p:pic>
         <p:nvPicPr>
-          <p:cNvPr id="21507" name="Shape 118"/>
+          <p:cNvPr id="22531" name="Shape 118"/>
           <p:cNvPicPr preferRelativeResize="0">
             <a:picLocks noChangeAspect="1" noChangeArrowheads="1"/>
           </p:cNvPicPr>
@@ -11777,7 +11806,7 @@
       </p:pic>
       <p:pic>
         <p:nvPicPr>
-          <p:cNvPr id="21508" name="Shape 119"/>
+          <p:cNvPr id="22532" name="Shape 119"/>
           <p:cNvPicPr preferRelativeResize="0">
             <a:picLocks noChangeAspect="1" noChangeArrowheads="1"/>
           </p:cNvPicPr>
@@ -11792,7 +11821,7 @@
         </p:blipFill>
         <p:spPr bwMode="auto">
           <a:xfrm>
-            <a:off x="7235825" y="4076700"/>
+            <a:off x="7235825" y="4149725"/>
             <a:ext cx="1733550" cy="1212850"/>
           </a:xfrm>
           <a:prstGeom prst="rect">
@@ -11844,7 +11873,7 @@
       </p:grpSpPr>
       <p:sp>
         <p:nvSpPr>
-          <p:cNvPr id="35842" name="Text Box 2"/>
+          <p:cNvPr id="24577" name="Text Box 2"/>
           <p:cNvSpPr txBox="1">
             <a:spLocks noGrp="1"/>
           </p:cNvSpPr>
@@ -11891,7 +11920,7 @@
       </p:sp>
       <p:sp>
         <p:nvSpPr>
-          <p:cNvPr id="35843" name="Text Box 3"/>
+          <p:cNvPr id="24578" name="Text Box 3"/>
           <p:cNvSpPr txBox="1">
             <a:spLocks noGrp="1"/>
           </p:cNvSpPr>
@@ -12196,7 +12225,7 @@
       </p:grpSpPr>
       <p:sp>
         <p:nvSpPr>
-          <p:cNvPr id="36866" name="Text Box 2"/>
+          <p:cNvPr id="25601" name="Text Box 2"/>
           <p:cNvSpPr txBox="1">
             <a:spLocks noGrp="1"/>
           </p:cNvSpPr>
@@ -12243,7 +12272,7 @@
       </p:sp>
       <p:sp>
         <p:nvSpPr>
-          <p:cNvPr id="36867" name="Text Box 3"/>
+          <p:cNvPr id="25602" name="Text Box 3"/>
           <p:cNvSpPr txBox="1">
             <a:spLocks noGrp="1"/>
           </p:cNvSpPr>
@@ -12360,7 +12389,7 @@
       </p:sp>
       <p:pic>
         <p:nvPicPr>
-          <p:cNvPr id="36869" name="Picture 5" descr="23"/>
+          <p:cNvPr id="25603" name="Picture 5" descr="23"/>
           <p:cNvPicPr>
             <a:picLocks noChangeAspect="1" noChangeArrowheads="1"/>
           </p:cNvPicPr>
@@ -12382,11 +12411,17 @@
             <a:avLst/>
           </a:prstGeom>
           <a:noFill/>
+          <a:ln w="9525">
+            <a:noFill/>
+            <a:miter lim="800000"/>
+            <a:headEnd/>
+            <a:tailEnd/>
+          </a:ln>
         </p:spPr>
       </p:pic>
       <p:pic>
         <p:nvPicPr>
-          <p:cNvPr id="36870" name="Picture 6" descr="23"/>
+          <p:cNvPr id="25604" name="Picture 6" descr="23"/>
           <p:cNvPicPr>
             <a:picLocks noChangeAspect="1" noChangeArrowheads="1"/>
           </p:cNvPicPr>
@@ -12408,11 +12443,17 @@
             <a:avLst/>
           </a:prstGeom>
           <a:noFill/>
+          <a:ln w="9525">
+            <a:noFill/>
+            <a:miter lim="800000"/>
+            <a:headEnd/>
+            <a:tailEnd/>
+          </a:ln>
         </p:spPr>
       </p:pic>
       <p:pic>
         <p:nvPicPr>
-          <p:cNvPr id="36872" name="Shape 133"/>
+          <p:cNvPr id="25607" name="Shape 119"/>
           <p:cNvPicPr preferRelativeResize="0">
             <a:picLocks noChangeAspect="1" noChangeArrowheads="1"/>
           </p:cNvPicPr>
@@ -12420,14 +12461,14 @@
         </p:nvPicPr>
         <p:blipFill>
           <a:blip r:embed="rId4"/>
-          <a:srcRect/>
+          <a:srcRect l="380" t="-3468" r="-378" b="3470"/>
           <a:stretch>
             <a:fillRect/>
           </a:stretch>
         </p:blipFill>
         <p:spPr bwMode="auto">
           <a:xfrm>
-            <a:off x="1187450" y="3789363"/>
+            <a:off x="7235825" y="3860800"/>
             <a:ext cx="1733550" cy="1212850"/>
           </a:xfrm>
           <a:prstGeom prst="rect">
@@ -12469,7 +12510,7 @@
       </p:grpSpPr>
       <p:sp>
         <p:nvSpPr>
-          <p:cNvPr id="34818" name="Text Box 2"/>
+          <p:cNvPr id="26625" name="Text Box 2"/>
           <p:cNvSpPr txBox="1">
             <a:spLocks noGrp="1"/>
           </p:cNvSpPr>
@@ -12483,7 +12524,7 @@
           <a:lstStyle/>
           <a:p>
             <a:r>
-              <a:rPr lang="en-US" sz="2800" smtClean="0">
+              <a:rPr lang="en-US" sz="3200" smtClean="0">
                 <a:solidFill>
                   <a:schemeClr val="accent2"/>
                 </a:solidFill>
@@ -12494,7 +12535,7 @@
               <a:t>Functional testing: security</a:t>
             </a:r>
             <a:br>
-              <a:rPr lang="en-US" sz="2800" smtClean="0">
+              <a:rPr lang="en-US" sz="3200" smtClean="0">
                 <a:solidFill>
                   <a:schemeClr val="accent2"/>
                 </a:solidFill>
@@ -12503,7 +12544,7 @@
                 <a:sym typeface="Tahoma" pitchFamily="34" charset="0"/>
               </a:rPr>
             </a:br>
-            <a:endParaRPr lang="en-US" sz="2800" smtClean="0">
+            <a:endParaRPr lang="en-US" sz="3200" smtClean="0">
               <a:solidFill>
                 <a:schemeClr val="accent2"/>
               </a:solidFill>
@@ -12516,7 +12557,7 @@
       </p:sp>
       <p:sp>
         <p:nvSpPr>
-          <p:cNvPr id="34819" name="Text Box 3"/>
+          <p:cNvPr id="26626" name="Text Box 3"/>
           <p:cNvSpPr txBox="1">
             <a:spLocks noGrp="1"/>
           </p:cNvSpPr>
@@ -12915,7 +12956,7 @@
       </p:sp>
       <p:pic>
         <p:nvPicPr>
-          <p:cNvPr id="34820" name="Picture 4" descr="23"/>
+          <p:cNvPr id="26627" name="Picture 4" descr="23"/>
           <p:cNvPicPr>
             <a:picLocks noChangeAspect="1" noChangeArrowheads="1"/>
           </p:cNvPicPr>
@@ -12937,6 +12978,44 @@
             <a:avLst/>
           </a:prstGeom>
           <a:noFill/>
+          <a:ln w="9525">
+            <a:noFill/>
+            <a:miter lim="800000"/>
+            <a:headEnd/>
+            <a:tailEnd/>
+          </a:ln>
+        </p:spPr>
+      </p:pic>
+      <p:pic>
+        <p:nvPicPr>
+          <p:cNvPr id="26629" name="Shape 119"/>
+          <p:cNvPicPr preferRelativeResize="0">
+            <a:picLocks noChangeAspect="1" noChangeArrowheads="1"/>
+          </p:cNvPicPr>
+          <p:nvPr/>
+        </p:nvPicPr>
+        <p:blipFill>
+          <a:blip r:embed="rId4"/>
+          <a:srcRect l="380" t="-3468" r="-378" b="3470"/>
+          <a:stretch>
+            <a:fillRect/>
+          </a:stretch>
+        </p:blipFill>
+        <p:spPr bwMode="auto">
+          <a:xfrm>
+            <a:off x="7164388" y="4868863"/>
+            <a:ext cx="1733550" cy="1212850"/>
+          </a:xfrm>
+          <a:prstGeom prst="rect">
+            <a:avLst/>
+          </a:prstGeom>
+          <a:noFill/>
+          <a:ln w="9525">
+            <a:noFill/>
+            <a:miter lim="800000"/>
+            <a:headEnd/>
+            <a:tailEnd/>
+          </a:ln>
         </p:spPr>
       </p:pic>
     </p:spTree>

--- a/w3/HW3.pptx
+++ b/w3/HW3.pptx
@@ -7654,7 +7654,7 @@
       </p:pic>
       <p:pic>
         <p:nvPicPr>
-          <p:cNvPr id="27654" name="Shape 119"/>
+          <p:cNvPr id="27652" name="Shape 119"/>
           <p:cNvPicPr preferRelativeResize="0">
             <a:picLocks noChangeAspect="1" noChangeArrowheads="1"/>
           </p:cNvPicPr>
@@ -8369,7 +8369,7 @@
       </p:sp>
       <p:pic>
         <p:nvPicPr>
-          <p:cNvPr id="28680" name="Shape 119"/>
+          <p:cNvPr id="28678" name="Shape 119"/>
           <p:cNvPicPr preferRelativeResize="0">
             <a:picLocks noChangeAspect="1" noChangeArrowheads="1"/>
           </p:cNvPicPr>
@@ -9212,7 +9212,7 @@
       </p:sp>
       <p:pic>
         <p:nvPicPr>
-          <p:cNvPr id="32776" name="Shape 119"/>
+          <p:cNvPr id="32774" name="Shape 119"/>
           <p:cNvPicPr preferRelativeResize="0">
             <a:picLocks noChangeAspect="1" noChangeArrowheads="1"/>
           </p:cNvPicPr>
@@ -10665,7 +10665,7 @@
       </p:pic>
       <p:pic>
         <p:nvPicPr>
-          <p:cNvPr id="18438" name="Shape 119"/>
+          <p:cNvPr id="18436" name="Shape 119"/>
           <p:cNvPicPr preferRelativeResize="0">
             <a:picLocks noChangeAspect="1" noChangeArrowheads="1"/>
           </p:cNvPicPr>
@@ -11208,7 +11208,7 @@
       </p:pic>
       <p:pic>
         <p:nvPicPr>
-          <p:cNvPr id="20486" name="Shape 119"/>
+          <p:cNvPr id="20484" name="Shape 119"/>
           <p:cNvPicPr preferRelativeResize="0">
             <a:picLocks noChangeAspect="1" noChangeArrowheads="1"/>
           </p:cNvPicPr>
@@ -12453,7 +12453,7 @@
       </p:pic>
       <p:pic>
         <p:nvPicPr>
-          <p:cNvPr id="25607" name="Shape 119"/>
+          <p:cNvPr id="25605" name="Shape 119"/>
           <p:cNvPicPr preferRelativeResize="0">
             <a:picLocks noChangeAspect="1" noChangeArrowheads="1"/>
           </p:cNvPicPr>
@@ -12576,9 +12576,6 @@
           <a:lstStyle/>
           <a:p>
             <a:pPr marL="179388" lvl="1" indent="0" eaLnBrk="1" hangingPunct="1">
-              <a:lnSpc>
-                <a:spcPct val="90000"/>
-              </a:lnSpc>
               <a:buSzPct val="25000"/>
               <a:buFontTx/>
               <a:buNone/>
@@ -12641,9 +12638,6 @@
           </a:p>
           <a:p>
             <a:pPr marL="179388" lvl="1" indent="0" eaLnBrk="1" hangingPunct="1">
-              <a:lnSpc>
-                <a:spcPct val="90000"/>
-              </a:lnSpc>
               <a:buSzPct val="25000"/>
               <a:buFontTx/>
               <a:buNone/>
@@ -12659,9 +12653,6 @@
           </a:p>
           <a:p>
             <a:pPr marL="0" indent="0" eaLnBrk="1" hangingPunct="1">
-              <a:lnSpc>
-                <a:spcPct val="90000"/>
-              </a:lnSpc>
               <a:buClr>
                 <a:srgbClr val="00B4D5"/>
               </a:buClr>
@@ -12693,9 +12684,6 @@
           </a:p>
           <a:p>
             <a:pPr marL="179388" lvl="1" indent="0" eaLnBrk="1" hangingPunct="1">
-              <a:lnSpc>
-                <a:spcPct val="90000"/>
-              </a:lnSpc>
               <a:spcBef>
                 <a:spcPts val="500"/>
               </a:spcBef>
@@ -12731,9 +12719,6 @@
           </a:p>
           <a:p>
             <a:pPr marL="179388" lvl="1" indent="0" eaLnBrk="1" hangingPunct="1">
-              <a:lnSpc>
-                <a:spcPct val="90000"/>
-              </a:lnSpc>
               <a:spcBef>
                 <a:spcPts val="500"/>
               </a:spcBef>
@@ -12757,9 +12742,6 @@
           </a:p>
           <a:p>
             <a:pPr marL="179388" lvl="1" indent="0" eaLnBrk="1" hangingPunct="1">
-              <a:lnSpc>
-                <a:spcPct val="90000"/>
-              </a:lnSpc>
               <a:spcBef>
                 <a:spcPts val="500"/>
               </a:spcBef>
@@ -12783,9 +12765,6 @@
           </a:p>
           <a:p>
             <a:pPr marL="179388" lvl="1" indent="0" eaLnBrk="1" hangingPunct="1">
-              <a:lnSpc>
-                <a:spcPct val="90000"/>
-              </a:lnSpc>
               <a:spcBef>
                 <a:spcPts val="500"/>
               </a:spcBef>
@@ -12809,9 +12788,6 @@
           </a:p>
           <a:p>
             <a:pPr marL="179388" lvl="1" indent="0" eaLnBrk="1" hangingPunct="1">
-              <a:lnSpc>
-                <a:spcPct val="90000"/>
-              </a:lnSpc>
               <a:spcBef>
                 <a:spcPts val="500"/>
               </a:spcBef>
@@ -12835,9 +12811,6 @@
           </a:p>
           <a:p>
             <a:pPr marL="179388" lvl="1" indent="0" eaLnBrk="1" hangingPunct="1">
-              <a:lnSpc>
-                <a:spcPct val="90000"/>
-              </a:lnSpc>
               <a:spcBef>
                 <a:spcPts val="500"/>
               </a:spcBef>
@@ -12861,9 +12834,6 @@
           </a:p>
           <a:p>
             <a:pPr marL="179388" lvl="1" indent="0" eaLnBrk="1" hangingPunct="1">
-              <a:lnSpc>
-                <a:spcPct val="90000"/>
-              </a:lnSpc>
               <a:spcBef>
                 <a:spcPts val="500"/>
               </a:spcBef>
@@ -12884,9 +12854,6 @@
           </a:p>
           <a:p>
             <a:pPr marL="0" indent="0" eaLnBrk="1" hangingPunct="1">
-              <a:lnSpc>
-                <a:spcPct val="90000"/>
-              </a:lnSpc>
               <a:buClr>
                 <a:srgbClr val="00B4D5"/>
               </a:buClr>
@@ -12916,19 +12883,6 @@
               </a:rPr>
               <a:t>Expected result:</a:t>
             </a:r>
-          </a:p>
-          <a:p>
-            <a:pPr marL="0" indent="0" eaLnBrk="1" hangingPunct="1">
-              <a:lnSpc>
-                <a:spcPct val="90000"/>
-              </a:lnSpc>
-              <a:buClr>
-                <a:srgbClr val="00B4D5"/>
-              </a:buClr>
-              <a:buSzPct val="25000"/>
-              <a:buFontTx/>
-              <a:buNone/>
-            </a:pPr>
             <a:r>
               <a:rPr lang="en-US" sz="2000" smtClean="0">
                 <a:solidFill>
@@ -12938,13 +12892,18 @@
                 <a:cs typeface="Tahoma" pitchFamily="34" charset="0"/>
                 <a:sym typeface="Tahoma" pitchFamily="34" charset="0"/>
               </a:rPr>
-              <a:t>   </a:t>
-            </a:r>
-            <a:r>
-              <a:rPr lang="en-US" sz="2000" u="sng" smtClean="0">
+              <a:t>  </a:t>
+            </a:r>
+            <a:r>
+              <a:rPr lang="en-US" sz="2000" smtClean="0">
                 <a:solidFill>
                   <a:srgbClr val="FFFFFF"/>
                 </a:solidFill>
+                <a:effectLst>
+                  <a:outerShdw blurRad="38100" dist="38100" dir="2700000" algn="tl">
+                    <a:srgbClr val="000000"/>
+                  </a:outerShdw>
+                </a:effectLst>
                 <a:latin typeface="Tahoma" pitchFamily="34" charset="0"/>
                 <a:cs typeface="Tahoma" pitchFamily="34" charset="0"/>
                 <a:sym typeface="Tahoma" pitchFamily="34" charset="0"/>
@@ -12988,7 +12947,7 @@
       </p:pic>
       <p:pic>
         <p:nvPicPr>
-          <p:cNvPr id="26629" name="Shape 119"/>
+          <p:cNvPr id="26628" name="Shape 119"/>
           <p:cNvPicPr preferRelativeResize="0">
             <a:picLocks noChangeAspect="1" noChangeArrowheads="1"/>
           </p:cNvPicPr>
